--- a/ppt/迷你抖音App答辩展示.pptx
+++ b/ppt/迷你抖音App答辩展示.pptx
@@ -5539,7 +5539,7 @@
         <p:spPr>
           <a:xfrm>
             <a:off x="3929058" y="1857364"/>
-            <a:ext cx="5214942" cy="2471742"/>
+            <a:ext cx="5214942" cy="3000396"/>
           </a:xfrm>
           <a:prstGeom prst="rect">
             <a:avLst/>
@@ -5547,7 +5547,7 @@
         </p:spPr>
         <p:txBody>
           <a:bodyPr vert="horz" lIns="91440" tIns="45720" rIns="91440" bIns="45720" rtlCol="0">
-            <a:normAutofit fontScale="92500" lnSpcReduction="20000"/>
+            <a:normAutofit fontScale="85000" lnSpcReduction="20000"/>
           </a:bodyPr>
           <a:lstStyle/>
           <a:p>
@@ -5724,7 +5724,24 @@
                 <a:ea typeface="+mn-ea"/>
                 <a:cs typeface="+mn-cs"/>
               </a:rPr>
-              <a:t>点击上传进入上传页面</a:t>
+              <a:t>点击上传进入上传</a:t>
+            </a:r>
+            <a:r>
+              <a:rPr kumimoji="0" lang="zh-CN" altLang="en-US" sz="3200" b="1" i="0" u="none" strike="noStrike" kern="1200" cap="none" spc="0" normalizeH="0" baseline="0" noProof="0" dirty="0" smtClean="0">
+                <a:ln>
+                  <a:noFill/>
+                </a:ln>
+                <a:solidFill>
+                  <a:schemeClr val="bg1"/>
+                </a:solidFill>
+                <a:effectLst/>
+                <a:uLnTx/>
+                <a:uFillTx/>
+                <a:latin typeface="+mn-lt"/>
+                <a:ea typeface="+mn-ea"/>
+                <a:cs typeface="+mn-cs"/>
+              </a:rPr>
+              <a:t>页面</a:t>
             </a:r>
             <a:endParaRPr kumimoji="0" lang="en-US" altLang="zh-CN" sz="3200" b="1" i="0" u="none" strike="noStrike" kern="1200" cap="none" spc="0" normalizeH="0" baseline="0" noProof="0" dirty="0" smtClean="0">
               <a:ln>
@@ -5759,6 +5776,39 @@
               <a:tabLst/>
               <a:defRPr/>
             </a:pPr>
+            <a:endParaRPr kumimoji="0" lang="en-US" altLang="zh-CN" sz="3200" b="1" i="0" u="none" strike="noStrike" kern="1200" cap="none" spc="0" normalizeH="0" baseline="0" noProof="0" dirty="0" smtClean="0">
+              <a:ln>
+                <a:noFill/>
+              </a:ln>
+              <a:solidFill>
+                <a:schemeClr val="bg1"/>
+              </a:solidFill>
+              <a:effectLst/>
+              <a:uLnTx/>
+              <a:uFillTx/>
+              <a:latin typeface="+mn-lt"/>
+              <a:ea typeface="+mn-ea"/>
+              <a:cs typeface="+mn-cs"/>
+            </a:endParaRPr>
+          </a:p>
+          <a:p>
+            <a:pPr marL="342900" marR="0" lvl="0" indent="-342900" algn="l" defTabSz="914400" rtl="0" eaLnBrk="1" fontAlgn="auto" latinLnBrk="0" hangingPunct="1">
+              <a:lnSpc>
+                <a:spcPct val="100000"/>
+              </a:lnSpc>
+              <a:spcBef>
+                <a:spcPct val="20000"/>
+              </a:spcBef>
+              <a:spcAft>
+                <a:spcPts val="0"/>
+              </a:spcAft>
+              <a:buClrTx/>
+              <a:buSzTx/>
+              <a:buFont typeface="Arial" pitchFamily="34" charset="0"/>
+              <a:buChar char="•"/>
+              <a:tabLst/>
+              <a:defRPr/>
+            </a:pPr>
             <a:r>
               <a:rPr kumimoji="0" lang="zh-CN" altLang="en-US" sz="3200" b="1" i="0" u="none" strike="noStrike" kern="1200" cap="none" spc="0" normalizeH="0" baseline="0" noProof="0" dirty="0" smtClean="0">
                 <a:ln>
@@ -5774,7 +5824,82 @@
                 <a:ea typeface="+mn-ea"/>
                 <a:cs typeface="+mn-cs"/>
               </a:rPr>
-              <a:t>点击箭头返回顶部</a:t>
+              <a:t>⭐点击</a:t>
+            </a:r>
+            <a:r>
+              <a:rPr kumimoji="0" lang="zh-CN" altLang="en-US" sz="3200" b="1" i="0" u="none" strike="noStrike" kern="1200" cap="none" spc="0" normalizeH="0" baseline="0" noProof="0" dirty="0" smtClean="0">
+                <a:ln>
+                  <a:noFill/>
+                </a:ln>
+                <a:solidFill>
+                  <a:schemeClr val="bg1"/>
+                </a:solidFill>
+                <a:effectLst/>
+                <a:uLnTx/>
+                <a:uFillTx/>
+                <a:latin typeface="+mn-lt"/>
+                <a:ea typeface="+mn-ea"/>
+                <a:cs typeface="+mn-cs"/>
+              </a:rPr>
+              <a:t>箭头返回</a:t>
+            </a:r>
+            <a:r>
+              <a:rPr kumimoji="0" lang="zh-CN" altLang="en-US" sz="3200" b="1" i="0" u="none" strike="noStrike" kern="1200" cap="none" spc="0" normalizeH="0" baseline="0" noProof="0" dirty="0" smtClean="0">
+                <a:ln>
+                  <a:noFill/>
+                </a:ln>
+                <a:solidFill>
+                  <a:schemeClr val="bg1"/>
+                </a:solidFill>
+                <a:effectLst/>
+                <a:uLnTx/>
+                <a:uFillTx/>
+                <a:latin typeface="+mn-lt"/>
+                <a:ea typeface="+mn-ea"/>
+                <a:cs typeface="+mn-cs"/>
+              </a:rPr>
+              <a:t>顶部</a:t>
+            </a:r>
+            <a:endParaRPr kumimoji="0" lang="en-US" altLang="zh-CN" sz="3200" b="1" i="0" u="none" strike="noStrike" kern="1200" cap="none" spc="0" normalizeH="0" baseline="0" noProof="0" dirty="0" smtClean="0">
+              <a:ln>
+                <a:noFill/>
+              </a:ln>
+              <a:solidFill>
+                <a:schemeClr val="bg1"/>
+              </a:solidFill>
+              <a:effectLst/>
+              <a:uLnTx/>
+              <a:uFillTx/>
+              <a:latin typeface="+mn-lt"/>
+              <a:ea typeface="+mn-ea"/>
+              <a:cs typeface="+mn-cs"/>
+            </a:endParaRPr>
+          </a:p>
+          <a:p>
+            <a:pPr marL="342900" marR="0" lvl="0" indent="-342900" algn="l" defTabSz="914400" rtl="0" eaLnBrk="1" fontAlgn="auto" latinLnBrk="0" hangingPunct="1">
+              <a:lnSpc>
+                <a:spcPct val="100000"/>
+              </a:lnSpc>
+              <a:spcBef>
+                <a:spcPct val="20000"/>
+              </a:spcBef>
+              <a:spcAft>
+                <a:spcPts val="0"/>
+              </a:spcAft>
+              <a:buClrTx/>
+              <a:buSzTx/>
+              <a:buFont typeface="Arial" pitchFamily="34" charset="0"/>
+              <a:buChar char="•"/>
+              <a:tabLst/>
+              <a:defRPr/>
+            </a:pPr>
+            <a:r>
+              <a:rPr lang="zh-CN" altLang="en-US" sz="3200" b="1" dirty="0" smtClean="0">
+                <a:solidFill>
+                  <a:schemeClr val="bg1"/>
+                </a:solidFill>
+              </a:rPr>
+              <a:t>⭐下拉刷新</a:t>
             </a:r>
             <a:endParaRPr kumimoji="0" lang="zh-CN" altLang="en-US" sz="3200" b="1" i="0" u="none" strike="noStrike" kern="1200" cap="none" spc="0" normalizeH="0" baseline="0" noProof="0" dirty="0">
               <a:ln>
@@ -6023,6 +6148,39 @@
               <a:tabLst/>
               <a:defRPr/>
             </a:pPr>
+            <a:endParaRPr kumimoji="0" lang="en-US" altLang="zh-CN" sz="3200" b="1" i="0" u="none" strike="noStrike" kern="1200" cap="none" spc="0" normalizeH="0" baseline="0" noProof="0" dirty="0" smtClean="0">
+              <a:ln>
+                <a:noFill/>
+              </a:ln>
+              <a:solidFill>
+                <a:schemeClr val="bg1"/>
+              </a:solidFill>
+              <a:effectLst/>
+              <a:uLnTx/>
+              <a:uFillTx/>
+              <a:latin typeface="+mn-lt"/>
+              <a:ea typeface="+mn-ea"/>
+              <a:cs typeface="+mn-cs"/>
+            </a:endParaRPr>
+          </a:p>
+          <a:p>
+            <a:pPr marL="342900" marR="0" lvl="0" indent="-342900" algn="l" defTabSz="914400" rtl="0" eaLnBrk="1" fontAlgn="auto" latinLnBrk="0" hangingPunct="1">
+              <a:lnSpc>
+                <a:spcPct val="100000"/>
+              </a:lnSpc>
+              <a:spcBef>
+                <a:spcPct val="20000"/>
+              </a:spcBef>
+              <a:spcAft>
+                <a:spcPts val="0"/>
+              </a:spcAft>
+              <a:buClrTx/>
+              <a:buSzTx/>
+              <a:buFont typeface="Arial" pitchFamily="34" charset="0"/>
+              <a:buChar char="•"/>
+              <a:tabLst/>
+              <a:defRPr/>
+            </a:pPr>
             <a:r>
               <a:rPr kumimoji="0" lang="zh-CN" altLang="en-US" sz="3200" b="1" i="0" u="none" strike="noStrike" kern="1200" cap="none" spc="0" normalizeH="0" baseline="0" noProof="0" dirty="0" smtClean="0">
                 <a:ln>
@@ -6038,7 +6196,24 @@
                 <a:ea typeface="+mn-ea"/>
                 <a:cs typeface="+mn-cs"/>
               </a:rPr>
-              <a:t>双击点赞，弹出心形</a:t>
+              <a:t>⭐双击</a:t>
+            </a:r>
+            <a:r>
+              <a:rPr kumimoji="0" lang="zh-CN" altLang="en-US" sz="3200" b="1" i="0" u="none" strike="noStrike" kern="1200" cap="none" spc="0" normalizeH="0" baseline="0" noProof="0" dirty="0" smtClean="0">
+                <a:ln>
+                  <a:noFill/>
+                </a:ln>
+                <a:solidFill>
+                  <a:schemeClr val="bg1"/>
+                </a:solidFill>
+                <a:effectLst/>
+                <a:uLnTx/>
+                <a:uFillTx/>
+                <a:latin typeface="+mn-lt"/>
+                <a:ea typeface="+mn-ea"/>
+                <a:cs typeface="+mn-cs"/>
+              </a:rPr>
+              <a:t>点赞，弹出心形</a:t>
             </a:r>
             <a:endParaRPr kumimoji="0" lang="en-US" altLang="zh-CN" sz="3200" b="1" i="0" u="none" strike="noStrike" kern="1200" cap="none" spc="0" normalizeH="0" baseline="0" noProof="0" dirty="0" smtClean="0">
               <a:ln>
@@ -6150,7 +6325,7 @@
         </p:spPr>
         <p:txBody>
           <a:bodyPr vert="horz" lIns="91440" tIns="45720" rIns="91440" bIns="45720" rtlCol="0">
-            <a:normAutofit/>
+            <a:normAutofit fontScale="92500" lnSpcReduction="10000"/>
           </a:bodyPr>
           <a:lstStyle/>
           <a:p>
@@ -6270,6 +6445,29 @@
             </a:endParaRPr>
           </a:p>
           <a:p>
+            <a:pPr marL="342900" indent="-342900">
+              <a:spcBef>
+                <a:spcPct val="20000"/>
+              </a:spcBef>
+              <a:buFont typeface="Arial" pitchFamily="34" charset="0"/>
+              <a:buChar char="•"/>
+              <a:defRPr/>
+            </a:pPr>
+            <a:r>
+              <a:rPr lang="zh-CN" altLang="en-US" sz="3200" b="1" dirty="0" smtClean="0">
+                <a:solidFill>
+                  <a:schemeClr val="bg1"/>
+                </a:solidFill>
+              </a:rPr>
+              <a:t>切换摄像头</a:t>
+            </a:r>
+            <a:endParaRPr lang="en-US" altLang="zh-CN" sz="3200" b="1" dirty="0" smtClean="0">
+              <a:solidFill>
+                <a:schemeClr val="bg1"/>
+              </a:solidFill>
+            </a:endParaRPr>
+          </a:p>
+          <a:p>
             <a:pPr marL="342900" marR="0" lvl="0" indent="-342900" algn="l" defTabSz="914400" rtl="0" eaLnBrk="1" fontAlgn="auto" latinLnBrk="0" hangingPunct="1">
               <a:lnSpc>
                 <a:spcPct val="100000"/>
@@ -6287,26 +6485,19 @@
               <a:tabLst/>
               <a:defRPr/>
             </a:pPr>
-            <a:r>
-              <a:rPr lang="en-US" altLang="zh-CN" sz="3200" b="1" dirty="0" smtClean="0">
-                <a:solidFill>
-                  <a:schemeClr val="bg1"/>
-                </a:solidFill>
-              </a:rPr>
-              <a:t>10</a:t>
-            </a:r>
-            <a:r>
-              <a:rPr lang="zh-CN" altLang="en-US" sz="3200" b="1" dirty="0" smtClean="0">
-                <a:solidFill>
-                  <a:schemeClr val="bg1"/>
-                </a:solidFill>
-              </a:rPr>
-              <a:t>秒自动结束</a:t>
-            </a:r>
-            <a:endParaRPr lang="en-US" altLang="zh-CN" sz="3200" b="1" dirty="0" smtClean="0">
+            <a:endParaRPr kumimoji="0" lang="en-US" altLang="zh-CN" sz="3200" b="1" i="0" u="none" strike="noStrike" kern="1200" cap="none" spc="0" normalizeH="0" baseline="0" noProof="0" dirty="0" smtClean="0">
+              <a:ln>
+                <a:noFill/>
+              </a:ln>
               <a:solidFill>
                 <a:schemeClr val="bg1"/>
               </a:solidFill>
+              <a:effectLst/>
+              <a:uLnTx/>
+              <a:uFillTx/>
+              <a:latin typeface="+mn-lt"/>
+              <a:ea typeface="+mn-ea"/>
+              <a:cs typeface="+mn-cs"/>
             </a:endParaRPr>
           </a:p>
           <a:p>
@@ -6328,43 +6519,33 @@
               <a:defRPr/>
             </a:pPr>
             <a:r>
-              <a:rPr kumimoji="0" lang="zh-CN" altLang="en-US" sz="3200" b="1" i="0" u="none" strike="noStrike" kern="1200" cap="none" spc="0" normalizeH="0" baseline="0" noProof="0" dirty="0" smtClean="0">
-                <a:ln>
-                  <a:noFill/>
-                </a:ln>
-                <a:solidFill>
-                  <a:schemeClr val="bg1"/>
-                </a:solidFill>
-                <a:effectLst/>
-                <a:uLnTx/>
-                <a:uFillTx/>
-                <a:latin typeface="+mn-lt"/>
-                <a:ea typeface="+mn-ea"/>
-                <a:cs typeface="+mn-cs"/>
-              </a:rPr>
-              <a:t>拍摄</a:t>
-            </a:r>
-            <a:r>
               <a:rPr lang="zh-CN" altLang="en-US" sz="3200" b="1" dirty="0" smtClean="0">
                 <a:solidFill>
                   <a:schemeClr val="bg1"/>
                 </a:solidFill>
               </a:rPr>
-              <a:t>结束，一键上传</a:t>
-            </a:r>
-            <a:endParaRPr kumimoji="0" lang="en-US" altLang="zh-CN" sz="3200" b="1" i="0" u="none" strike="noStrike" kern="1200" cap="none" spc="0" normalizeH="0" baseline="0" noProof="0" dirty="0" smtClean="0">
-              <a:ln>
-                <a:noFill/>
-              </a:ln>
+              <a:t>⭐拍摄</a:t>
+            </a:r>
+            <a:r>
+              <a:rPr lang="en-US" altLang="zh-CN" sz="3200" b="1" dirty="0" smtClean="0">
+                <a:solidFill>
+                  <a:schemeClr val="bg1"/>
+                </a:solidFill>
+              </a:rPr>
+              <a:t>10</a:t>
+            </a:r>
+            <a:r>
+              <a:rPr lang="zh-CN" altLang="en-US" sz="3200" b="1" dirty="0" smtClean="0">
+                <a:solidFill>
+                  <a:schemeClr val="bg1"/>
+                </a:solidFill>
+              </a:rPr>
+              <a:t>秒自动结束</a:t>
+            </a:r>
+            <a:endParaRPr lang="en-US" altLang="zh-CN" sz="3200" b="1" dirty="0" smtClean="0">
               <a:solidFill>
                 <a:schemeClr val="bg1"/>
               </a:solidFill>
-              <a:effectLst/>
-              <a:uLnTx/>
-              <a:uFillTx/>
-              <a:latin typeface="+mn-lt"/>
-              <a:ea typeface="+mn-ea"/>
-              <a:cs typeface="+mn-cs"/>
             </a:endParaRPr>
           </a:p>
           <a:p>
@@ -6386,12 +6567,37 @@
               <a:defRPr/>
             </a:pPr>
             <a:r>
+              <a:rPr kumimoji="0" lang="zh-CN" altLang="en-US" sz="3200" b="1" i="0" u="none" strike="noStrike" kern="1200" cap="none" spc="0" normalizeH="0" baseline="0" noProof="0" dirty="0" smtClean="0">
+                <a:ln>
+                  <a:noFill/>
+                </a:ln>
+                <a:solidFill>
+                  <a:schemeClr val="bg1"/>
+                </a:solidFill>
+                <a:effectLst/>
+                <a:uLnTx/>
+                <a:uFillTx/>
+                <a:latin typeface="+mn-lt"/>
+                <a:ea typeface="+mn-ea"/>
+                <a:cs typeface="+mn-cs"/>
+              </a:rPr>
+              <a:t>⭐拍摄</a:t>
+            </a:r>
+            <a:r>
               <a:rPr lang="zh-CN" altLang="en-US" sz="3200" b="1" dirty="0" smtClean="0">
                 <a:solidFill>
                   <a:schemeClr val="bg1"/>
                 </a:solidFill>
               </a:rPr>
-              <a:t>切换摄像头</a:t>
+              <a:t>结束，一键上</a:t>
+            </a:r>
+            <a:r>
+              <a:rPr lang="zh-CN" altLang="en-US" sz="3200" b="1" dirty="0" smtClean="0">
+                <a:solidFill>
+                  <a:schemeClr val="bg1"/>
+                </a:solidFill>
+              </a:rPr>
+              <a:t>传</a:t>
             </a:r>
             <a:endParaRPr kumimoji="0" lang="en-US" altLang="zh-CN" sz="3200" b="1" i="0" u="none" strike="noStrike" kern="1200" cap="none" spc="0" normalizeH="0" baseline="0" noProof="0" dirty="0" smtClean="0">
               <a:ln>
@@ -6533,7 +6739,15 @@
                   <a:schemeClr val="bg1"/>
                 </a:solidFill>
               </a:rPr>
-              <a:t>一键上传</a:t>
+              <a:t>一</a:t>
+            </a:r>
+            <a:r>
+              <a:rPr lang="zh-CN" altLang="en-US" sz="3200" b="1" dirty="0" smtClean="0">
+                <a:solidFill>
+                  <a:schemeClr val="bg1"/>
+                </a:solidFill>
+              </a:rPr>
+              <a:t>键上传</a:t>
             </a:r>
             <a:endParaRPr lang="en-US" altLang="zh-CN" sz="3200" b="1" dirty="0" smtClean="0">
               <a:solidFill>
@@ -6657,15 +6871,7 @@
                   <a:schemeClr val="bg1"/>
                 </a:solidFill>
               </a:rPr>
-              <a:t>上</a:t>
-            </a:r>
-            <a:r>
-              <a:rPr lang="zh-CN" altLang="en-US" sz="3200" b="1" dirty="0" smtClean="0">
-                <a:solidFill>
-                  <a:schemeClr val="bg1"/>
-                </a:solidFill>
-              </a:rPr>
-              <a:t>传页面</a:t>
+              <a:t>上传页面</a:t>
             </a:r>
             <a:endParaRPr lang="en-US" altLang="zh-CN" sz="3200" b="1" dirty="0" smtClean="0">
               <a:solidFill>
